--- a/ppt/Python18-Web.pptx
+++ b/ppt/Python18-Web.pptx
@@ -5,10 +5,10 @@
     <p:sldMasterId id="2147483653" r:id="rId1"/>
   </p:sldMasterIdLst>
   <p:notesMasterIdLst>
-    <p:notesMasterId r:id="rId8"/>
+    <p:notesMasterId r:id="rId7"/>
   </p:notesMasterIdLst>
   <p:handoutMasterIdLst>
-    <p:handoutMasterId r:id="rId9"/>
+    <p:handoutMasterId r:id="rId8"/>
   </p:handoutMasterIdLst>
   <p:sldIdLst>
     <p:sldId id="264" r:id="rId2"/>
@@ -16,7 +16,6 @@
     <p:sldId id="266" r:id="rId4"/>
     <p:sldId id="267" r:id="rId5"/>
     <p:sldId id="268" r:id="rId6"/>
-    <p:sldId id="269" r:id="rId7"/>
   </p:sldIdLst>
   <p:sldSz cx="9144000" cy="6858000" type="screen4x3"/>
   <p:notesSz cx="6648450" cy="9782175"/>
@@ -609,35 +608,35 @@
           <a:p>
             <a:pPr lvl="0"/>
             <a:r>
-              <a:rPr lang="fr-FR" noProof="0" smtClean="0"/>
+              <a:rPr lang="fr-FR" noProof="0"/>
               <a:t>Cliquez pour modifier les styles du texte du masque</a:t>
             </a:r>
           </a:p>
           <a:p>
             <a:pPr lvl="1"/>
             <a:r>
-              <a:rPr lang="fr-FR" noProof="0" smtClean="0"/>
+              <a:rPr lang="fr-FR" noProof="0"/>
               <a:t>Deuxième niveau</a:t>
             </a:r>
           </a:p>
           <a:p>
             <a:pPr lvl="2"/>
             <a:r>
-              <a:rPr lang="fr-FR" noProof="0" smtClean="0"/>
+              <a:rPr lang="fr-FR" noProof="0"/>
               <a:t>Troisième niveau</a:t>
             </a:r>
           </a:p>
           <a:p>
             <a:pPr lvl="3"/>
             <a:r>
-              <a:rPr lang="fr-FR" noProof="0" smtClean="0"/>
+              <a:rPr lang="fr-FR" noProof="0"/>
               <a:t>Quatrième niveau</a:t>
             </a:r>
           </a:p>
           <a:p>
             <a:pPr lvl="4"/>
             <a:r>
-              <a:rPr lang="fr-FR" noProof="0" smtClean="0"/>
+              <a:rPr lang="fr-FR" noProof="0"/>
               <a:t>Cinquième niveau</a:t>
             </a:r>
           </a:p>
@@ -925,10 +924,9 @@
           <a:lstStyle/>
           <a:p>
             <a:r>
-              <a:rPr lang="fr-FR" smtClean="0"/>
+              <a:rPr lang="fr-FR"/>
               <a:t>Cliquez pour modifier le style du titre</a:t>
             </a:r>
-            <a:endParaRPr lang="fr-FR"/>
           </a:p>
         </p:txBody>
       </p:sp>
@@ -990,10 +988,9 @@
           </a:lstStyle>
           <a:p>
             <a:r>
-              <a:rPr lang="fr-FR" smtClean="0"/>
+              <a:rPr lang="fr-FR"/>
               <a:t>Cliquez pour modifier le style des sous-titres du masque</a:t>
             </a:r>
-            <a:endParaRPr lang="fr-FR"/>
           </a:p>
         </p:txBody>
       </p:sp>
@@ -1048,10 +1045,9 @@
           <a:lstStyle/>
           <a:p>
             <a:r>
-              <a:rPr lang="fr-FR" smtClean="0"/>
+              <a:rPr lang="fr-FR"/>
               <a:t>Cliquez pour modifier le style du titre</a:t>
             </a:r>
-            <a:endParaRPr lang="fr-FR"/>
           </a:p>
         </p:txBody>
       </p:sp>
@@ -1077,38 +1073,37 @@
           <a:p>
             <a:pPr lvl="0"/>
             <a:r>
-              <a:rPr lang="fr-FR" smtClean="0"/>
+              <a:rPr lang="fr-FR"/>
               <a:t>Cliquez pour modifier les styles du texte du masque</a:t>
             </a:r>
           </a:p>
           <a:p>
             <a:pPr lvl="1"/>
             <a:r>
-              <a:rPr lang="fr-FR" smtClean="0"/>
+              <a:rPr lang="fr-FR"/>
               <a:t>Deuxième niveau</a:t>
             </a:r>
           </a:p>
           <a:p>
             <a:pPr lvl="2"/>
             <a:r>
-              <a:rPr lang="fr-FR" smtClean="0"/>
+              <a:rPr lang="fr-FR"/>
               <a:t>Troisième niveau</a:t>
             </a:r>
           </a:p>
           <a:p>
             <a:pPr lvl="3"/>
             <a:r>
-              <a:rPr lang="fr-FR" smtClean="0"/>
+              <a:rPr lang="fr-FR"/>
               <a:t>Quatrième niveau</a:t>
             </a:r>
           </a:p>
           <a:p>
             <a:pPr lvl="4"/>
             <a:r>
-              <a:rPr lang="fr-FR" smtClean="0"/>
+              <a:rPr lang="fr-FR"/>
               <a:t>Cinquième niveau</a:t>
             </a:r>
-            <a:endParaRPr lang="fr-FR"/>
           </a:p>
         </p:txBody>
       </p:sp>
@@ -1167,10 +1162,9 @@
           </a:lstStyle>
           <a:p>
             <a:r>
-              <a:rPr lang="fr-FR" dirty="0" smtClean="0"/>
+              <a:rPr lang="fr-FR" dirty="0"/>
               <a:t>Cliquez pour modifier le style du titre</a:t>
             </a:r>
-            <a:endParaRPr lang="fr-FR" dirty="0"/>
           </a:p>
         </p:txBody>
       </p:sp>
@@ -1196,38 +1190,37 @@
           <a:p>
             <a:pPr lvl="0"/>
             <a:r>
-              <a:rPr lang="fr-FR" dirty="0" smtClean="0"/>
+              <a:rPr lang="fr-FR" dirty="0"/>
               <a:t>Cliquez pour modifier les styles du texte du masque</a:t>
             </a:r>
           </a:p>
           <a:p>
             <a:pPr lvl="1"/>
             <a:r>
-              <a:rPr lang="fr-FR" dirty="0" smtClean="0"/>
+              <a:rPr lang="fr-FR" dirty="0"/>
               <a:t>Deuxième niveau</a:t>
             </a:r>
           </a:p>
           <a:p>
             <a:pPr lvl="2"/>
             <a:r>
-              <a:rPr lang="fr-FR" dirty="0" smtClean="0"/>
+              <a:rPr lang="fr-FR" dirty="0"/>
               <a:t>Troisième niveau</a:t>
             </a:r>
           </a:p>
           <a:p>
             <a:pPr lvl="3"/>
             <a:r>
-              <a:rPr lang="fr-FR" dirty="0" smtClean="0"/>
+              <a:rPr lang="fr-FR" dirty="0"/>
               <a:t>Quatrième niveau</a:t>
             </a:r>
           </a:p>
           <a:p>
             <a:pPr lvl="4"/>
             <a:r>
-              <a:rPr lang="fr-FR" dirty="0" smtClean="0"/>
+              <a:rPr lang="fr-FR" dirty="0"/>
               <a:t>Cinquième niveau</a:t>
             </a:r>
-            <a:endParaRPr lang="fr-FR" dirty="0"/>
           </a:p>
         </p:txBody>
       </p:sp>
@@ -1277,10 +1270,9 @@
           <a:lstStyle/>
           <a:p>
             <a:r>
-              <a:rPr lang="fr-FR" smtClean="0"/>
+              <a:rPr lang="fr-FR"/>
               <a:t>Cliquez pour modifier le style du titre</a:t>
             </a:r>
-            <a:endParaRPr lang="fr-FR"/>
           </a:p>
         </p:txBody>
       </p:sp>
@@ -1334,38 +1326,37 @@
           <a:p>
             <a:pPr lvl="0"/>
             <a:r>
-              <a:rPr lang="fr-FR" smtClean="0"/>
+              <a:rPr lang="fr-FR"/>
               <a:t>Cliquez pour modifier les styles du texte du masque</a:t>
             </a:r>
           </a:p>
           <a:p>
             <a:pPr lvl="1"/>
             <a:r>
-              <a:rPr lang="fr-FR" smtClean="0"/>
+              <a:rPr lang="fr-FR"/>
               <a:t>Deuxième niveau</a:t>
             </a:r>
           </a:p>
           <a:p>
             <a:pPr lvl="2"/>
             <a:r>
-              <a:rPr lang="fr-FR" smtClean="0"/>
+              <a:rPr lang="fr-FR"/>
               <a:t>Troisième niveau</a:t>
             </a:r>
           </a:p>
           <a:p>
             <a:pPr lvl="3"/>
             <a:r>
-              <a:rPr lang="fr-FR" smtClean="0"/>
+              <a:rPr lang="fr-FR"/>
               <a:t>Quatrième niveau</a:t>
             </a:r>
           </a:p>
           <a:p>
             <a:pPr lvl="4"/>
             <a:r>
-              <a:rPr lang="fr-FR" smtClean="0"/>
+              <a:rPr lang="fr-FR"/>
               <a:t>Cinquième niveau</a:t>
             </a:r>
-            <a:endParaRPr lang="fr-FR"/>
           </a:p>
         </p:txBody>
       </p:sp>
@@ -1419,38 +1410,37 @@
           <a:p>
             <a:pPr lvl="0"/>
             <a:r>
-              <a:rPr lang="fr-FR" smtClean="0"/>
+              <a:rPr lang="fr-FR"/>
               <a:t>Cliquez pour modifier les styles du texte du masque</a:t>
             </a:r>
           </a:p>
           <a:p>
             <a:pPr lvl="1"/>
             <a:r>
-              <a:rPr lang="fr-FR" smtClean="0"/>
+              <a:rPr lang="fr-FR"/>
               <a:t>Deuxième niveau</a:t>
             </a:r>
           </a:p>
           <a:p>
             <a:pPr lvl="2"/>
             <a:r>
-              <a:rPr lang="fr-FR" smtClean="0"/>
+              <a:rPr lang="fr-FR"/>
               <a:t>Troisième niveau</a:t>
             </a:r>
           </a:p>
           <a:p>
             <a:pPr lvl="3"/>
             <a:r>
-              <a:rPr lang="fr-FR" smtClean="0"/>
+              <a:rPr lang="fr-FR"/>
               <a:t>Quatrième niveau</a:t>
             </a:r>
           </a:p>
           <a:p>
             <a:pPr lvl="4"/>
             <a:r>
-              <a:rPr lang="fr-FR" smtClean="0"/>
+              <a:rPr lang="fr-FR"/>
               <a:t>Cinquième niveau</a:t>
             </a:r>
-            <a:endParaRPr lang="fr-FR"/>
           </a:p>
         </p:txBody>
       </p:sp>
@@ -1509,10 +1499,9 @@
           </a:lstStyle>
           <a:p>
             <a:r>
-              <a:rPr lang="fr-FR" smtClean="0"/>
+              <a:rPr lang="fr-FR"/>
               <a:t>Cliquez pour modifier le style du titre</a:t>
             </a:r>
-            <a:endParaRPr lang="fr-FR"/>
           </a:p>
         </p:txBody>
       </p:sp>
@@ -1575,7 +1564,7 @@
           <a:p>
             <a:pPr lvl="0"/>
             <a:r>
-              <a:rPr lang="fr-FR" smtClean="0"/>
+              <a:rPr lang="fr-FR"/>
               <a:t>Cliquez pour modifier les styles du texte du masque</a:t>
             </a:r>
           </a:p>
@@ -1631,38 +1620,37 @@
           <a:p>
             <a:pPr lvl="0"/>
             <a:r>
-              <a:rPr lang="fr-FR" smtClean="0"/>
+              <a:rPr lang="fr-FR"/>
               <a:t>Cliquez pour modifier les styles du texte du masque</a:t>
             </a:r>
           </a:p>
           <a:p>
             <a:pPr lvl="1"/>
             <a:r>
-              <a:rPr lang="fr-FR" smtClean="0"/>
+              <a:rPr lang="fr-FR"/>
               <a:t>Deuxième niveau</a:t>
             </a:r>
           </a:p>
           <a:p>
             <a:pPr lvl="2"/>
             <a:r>
-              <a:rPr lang="fr-FR" smtClean="0"/>
+              <a:rPr lang="fr-FR"/>
               <a:t>Troisième niveau</a:t>
             </a:r>
           </a:p>
           <a:p>
             <a:pPr lvl="3"/>
             <a:r>
-              <a:rPr lang="fr-FR" smtClean="0"/>
+              <a:rPr lang="fr-FR"/>
               <a:t>Quatrième niveau</a:t>
             </a:r>
           </a:p>
           <a:p>
             <a:pPr lvl="4"/>
             <a:r>
-              <a:rPr lang="fr-FR" smtClean="0"/>
+              <a:rPr lang="fr-FR"/>
               <a:t>Cinquième niveau</a:t>
             </a:r>
-            <a:endParaRPr lang="fr-FR"/>
           </a:p>
         </p:txBody>
       </p:sp>
@@ -1725,7 +1713,7 @@
           <a:p>
             <a:pPr lvl="0"/>
             <a:r>
-              <a:rPr lang="fr-FR" smtClean="0"/>
+              <a:rPr lang="fr-FR"/>
               <a:t>Cliquez pour modifier les styles du texte du masque</a:t>
             </a:r>
           </a:p>
@@ -1781,38 +1769,37 @@
           <a:p>
             <a:pPr lvl="0"/>
             <a:r>
-              <a:rPr lang="fr-FR" smtClean="0"/>
+              <a:rPr lang="fr-FR"/>
               <a:t>Cliquez pour modifier les styles du texte du masque</a:t>
             </a:r>
           </a:p>
           <a:p>
             <a:pPr lvl="1"/>
             <a:r>
-              <a:rPr lang="fr-FR" smtClean="0"/>
+              <a:rPr lang="fr-FR"/>
               <a:t>Deuxième niveau</a:t>
             </a:r>
           </a:p>
           <a:p>
             <a:pPr lvl="2"/>
             <a:r>
-              <a:rPr lang="fr-FR" smtClean="0"/>
+              <a:rPr lang="fr-FR"/>
               <a:t>Troisième niveau</a:t>
             </a:r>
           </a:p>
           <a:p>
             <a:pPr lvl="3"/>
             <a:r>
-              <a:rPr lang="fr-FR" smtClean="0"/>
+              <a:rPr lang="fr-FR"/>
               <a:t>Quatrième niveau</a:t>
             </a:r>
           </a:p>
           <a:p>
             <a:pPr lvl="4"/>
             <a:r>
-              <a:rPr lang="fr-FR" smtClean="0"/>
+              <a:rPr lang="fr-FR"/>
               <a:t>Cinquième niveau</a:t>
             </a:r>
-            <a:endParaRPr lang="fr-FR"/>
           </a:p>
         </p:txBody>
       </p:sp>
@@ -1862,10 +1849,9 @@
           <a:lstStyle/>
           <a:p>
             <a:r>
-              <a:rPr lang="fr-FR" smtClean="0"/>
+              <a:rPr lang="fr-FR"/>
               <a:t>Cliquez pour modifier le style du titre</a:t>
             </a:r>
-            <a:endParaRPr lang="fr-FR"/>
           </a:p>
         </p:txBody>
       </p:sp>
@@ -1954,10 +1940,9 @@
           </a:lstStyle>
           <a:p>
             <a:r>
-              <a:rPr lang="fr-FR" smtClean="0"/>
+              <a:rPr lang="fr-FR"/>
               <a:t>Cliquez pour modifier le style du titre</a:t>
             </a:r>
-            <a:endParaRPr lang="fr-FR"/>
           </a:p>
         </p:txBody>
       </p:sp>
@@ -2011,38 +1996,37 @@
           <a:p>
             <a:pPr lvl="0"/>
             <a:r>
-              <a:rPr lang="fr-FR" smtClean="0"/>
+              <a:rPr lang="fr-FR"/>
               <a:t>Cliquez pour modifier les styles du texte du masque</a:t>
             </a:r>
           </a:p>
           <a:p>
             <a:pPr lvl="1"/>
             <a:r>
-              <a:rPr lang="fr-FR" smtClean="0"/>
+              <a:rPr lang="fr-FR"/>
               <a:t>Deuxième niveau</a:t>
             </a:r>
           </a:p>
           <a:p>
             <a:pPr lvl="2"/>
             <a:r>
-              <a:rPr lang="fr-FR" smtClean="0"/>
+              <a:rPr lang="fr-FR"/>
               <a:t>Troisième niveau</a:t>
             </a:r>
           </a:p>
           <a:p>
             <a:pPr lvl="3"/>
             <a:r>
-              <a:rPr lang="fr-FR" smtClean="0"/>
+              <a:rPr lang="fr-FR"/>
               <a:t>Quatrième niveau</a:t>
             </a:r>
           </a:p>
           <a:p>
             <a:pPr lvl="4"/>
             <a:r>
-              <a:rPr lang="fr-FR" smtClean="0"/>
+              <a:rPr lang="fr-FR"/>
               <a:t>Cinquième niveau</a:t>
             </a:r>
-            <a:endParaRPr lang="fr-FR"/>
           </a:p>
         </p:txBody>
       </p:sp>
@@ -2105,7 +2089,7 @@
           <a:p>
             <a:pPr lvl="0"/>
             <a:r>
-              <a:rPr lang="fr-FR" smtClean="0"/>
+              <a:rPr lang="fr-FR"/>
               <a:t>Cliquez pour modifier les styles du texte du masque</a:t>
             </a:r>
           </a:p>
@@ -2166,10 +2150,9 @@
           </a:lstStyle>
           <a:p>
             <a:r>
-              <a:rPr lang="fr-FR" smtClean="0"/>
+              <a:rPr lang="fr-FR"/>
               <a:t>Cliquez pour modifier le style du titre</a:t>
             </a:r>
-            <a:endParaRPr lang="fr-FR"/>
           </a:p>
         </p:txBody>
       </p:sp>
@@ -2231,7 +2214,7 @@
           </a:lstStyle>
           <a:p>
             <a:pPr lvl="0"/>
-            <a:endParaRPr lang="fr-FR" noProof="0" smtClean="0"/>
+            <a:endParaRPr lang="fr-FR" noProof="0"/>
           </a:p>
         </p:txBody>
       </p:sp>
@@ -2294,7 +2277,7 @@
           <a:p>
             <a:pPr lvl="0"/>
             <a:r>
-              <a:rPr lang="fr-FR" smtClean="0"/>
+              <a:rPr lang="fr-FR"/>
               <a:t>Cliquez pour modifier les styles du texte du masque</a:t>
             </a:r>
           </a:p>
@@ -2346,10 +2329,9 @@
           <a:lstStyle/>
           <a:p>
             <a:r>
-              <a:rPr lang="fr-FR" smtClean="0"/>
+              <a:rPr lang="fr-FR"/>
               <a:t>Cliquez pour modifier le style du titre</a:t>
             </a:r>
-            <a:endParaRPr lang="fr-FR"/>
           </a:p>
         </p:txBody>
       </p:sp>
@@ -2370,38 +2352,37 @@
           <a:p>
             <a:pPr lvl="0"/>
             <a:r>
-              <a:rPr lang="fr-FR" smtClean="0"/>
+              <a:rPr lang="fr-FR"/>
               <a:t>Cliquez pour modifier les styles du texte du masque</a:t>
             </a:r>
           </a:p>
           <a:p>
             <a:pPr lvl="1"/>
             <a:r>
-              <a:rPr lang="fr-FR" smtClean="0"/>
+              <a:rPr lang="fr-FR"/>
               <a:t>Deuxième niveau</a:t>
             </a:r>
           </a:p>
           <a:p>
             <a:pPr lvl="2"/>
             <a:r>
-              <a:rPr lang="fr-FR" smtClean="0"/>
+              <a:rPr lang="fr-FR"/>
               <a:t>Troisième niveau</a:t>
             </a:r>
           </a:p>
           <a:p>
             <a:pPr lvl="3"/>
             <a:r>
-              <a:rPr lang="fr-FR" smtClean="0"/>
+              <a:rPr lang="fr-FR"/>
               <a:t>Quatrième niveau</a:t>
             </a:r>
           </a:p>
           <a:p>
             <a:pPr lvl="4"/>
             <a:r>
-              <a:rPr lang="fr-FR" smtClean="0"/>
+              <a:rPr lang="fr-FR"/>
               <a:t>Cinquième niveau</a:t>
             </a:r>
-            <a:endParaRPr lang="fr-FR"/>
           </a:p>
         </p:txBody>
       </p:sp>
@@ -2582,7 +2563,7 @@
             <a:pPr eaLnBrk="1" hangingPunct="1">
               <a:defRPr/>
             </a:pPr>
-            <a:endParaRPr lang="fr-FR" altLang="fr-FR" smtClean="0"/>
+            <a:endParaRPr lang="fr-FR" altLang="fr-FR"/>
           </a:p>
         </p:txBody>
       </p:sp>
@@ -2736,7 +2717,7 @@
               <a:defRPr/>
             </a:pPr>
             <a:r>
-              <a:rPr lang="fr-FR" sz="1200" dirty="0" smtClean="0"/>
+              <a:rPr lang="fr-FR" sz="1200" dirty="0"/>
               <a:t>Page </a:t>
             </a:r>
             <a:fld id="{E218E9B1-FD08-4C80-902E-210BA2967D0D}" type="slidenum">
@@ -2749,7 +2730,7 @@
               </a:pPr>
               <a:t>‹N°›</a:t>
             </a:fld>
-            <a:endParaRPr lang="fr-FR" dirty="0" smtClean="0">
+            <a:endParaRPr lang="fr-FR" dirty="0">
               <a:latin typeface="Times New Roman" pitchFamily="18" charset="0"/>
             </a:endParaRPr>
           </a:p>
@@ -2905,10 +2886,10 @@
               <a:defRPr/>
             </a:pPr>
             <a:r>
-              <a:rPr lang="fr-FR" sz="1600" dirty="0" smtClean="0"/>
+              <a:rPr lang="fr-FR" sz="1600" dirty="0"/>
               <a:t>Python</a:t>
             </a:r>
-            <a:endParaRPr lang="fr-FR" dirty="0" smtClean="0">
+            <a:endParaRPr lang="fr-FR" dirty="0">
               <a:latin typeface="Times New Roman" pitchFamily="18" charset="0"/>
             </a:endParaRPr>
           </a:p>
@@ -2966,7 +2947,7 @@
           <a:p>
             <a:pPr lvl="0"/>
             <a:r>
-              <a:rPr lang="fr-FR" altLang="fr-FR" smtClean="0"/>
+              <a:rPr lang="fr-FR" altLang="fr-FR"/>
               <a:t>Cliquez pour modifier le style du titre du masque</a:t>
             </a:r>
           </a:p>
@@ -3024,35 +3005,35 @@
           <a:p>
             <a:pPr lvl="0"/>
             <a:r>
-              <a:rPr lang="fr-FR" altLang="fr-FR" smtClean="0"/>
+              <a:rPr lang="fr-FR" altLang="fr-FR"/>
               <a:t>Cliquez pour modifier les styles du texte du masque</a:t>
             </a:r>
           </a:p>
           <a:p>
             <a:pPr lvl="1"/>
             <a:r>
-              <a:rPr lang="fr-FR" altLang="fr-FR" smtClean="0"/>
+              <a:rPr lang="fr-FR" altLang="fr-FR"/>
               <a:t>Deuxième niveau</a:t>
             </a:r>
           </a:p>
           <a:p>
             <a:pPr lvl="2"/>
             <a:r>
-              <a:rPr lang="fr-FR" altLang="fr-FR" smtClean="0"/>
+              <a:rPr lang="fr-FR" altLang="fr-FR"/>
               <a:t>Troisième niveau</a:t>
             </a:r>
           </a:p>
           <a:p>
             <a:pPr lvl="3"/>
             <a:r>
-              <a:rPr lang="fr-FR" altLang="fr-FR" smtClean="0"/>
+              <a:rPr lang="fr-FR" altLang="fr-FR"/>
               <a:t>Quatrième niveau</a:t>
             </a:r>
           </a:p>
           <a:p>
             <a:pPr lvl="4"/>
             <a:r>
-              <a:rPr lang="fr-FR" altLang="fr-FR" smtClean="0"/>
+              <a:rPr lang="fr-FR" altLang="fr-FR"/>
               <a:t>Cinquième niveau</a:t>
             </a:r>
           </a:p>
@@ -3208,10 +3189,10 @@
               <a:defRPr/>
             </a:pPr>
             <a:r>
-              <a:rPr lang="fr-FR" sz="1200" smtClean="0"/>
+              <a:rPr lang="fr-FR" sz="1200"/>
               <a:t>© Cyril Vincent Conseil</a:t>
             </a:r>
-            <a:endParaRPr lang="fr-FR" smtClean="0">
+            <a:endParaRPr lang="fr-FR">
               <a:latin typeface="Times New Roman" pitchFamily="18" charset="0"/>
             </a:endParaRPr>
           </a:p>
@@ -3693,22 +3674,17 @@
           <a:p>
             <a:pPr eaLnBrk="1" hangingPunct="1"/>
             <a:r>
-              <a:rPr lang="fr-FR" altLang="fr-FR" dirty="0" smtClean="0"/>
-              <a:t>Chapitre </a:t>
-            </a:r>
-            <a:r>
-              <a:rPr lang="fr-FR" altLang="fr-FR" dirty="0" smtClean="0"/>
-              <a:t>18</a:t>
-            </a:r>
-            <a:endParaRPr lang="fr-FR" altLang="fr-FR" dirty="0" smtClean="0"/>
+              <a:rPr lang="fr-FR" altLang="fr-FR" dirty="0"/>
+              <a:t>Chapitre 18</a:t>
+            </a:r>
           </a:p>
           <a:p>
             <a:pPr eaLnBrk="1" hangingPunct="1"/>
             <a:r>
-              <a:rPr lang="fr-FR" altLang="fr-FR" smtClean="0"/>
+              <a:rPr lang="fr-FR" altLang="fr-FR"/>
               <a:t>Web</a:t>
             </a:r>
-            <a:endParaRPr lang="fr-FR" altLang="fr-FR" dirty="0" smtClean="0"/>
+            <a:endParaRPr lang="fr-FR" altLang="fr-FR" dirty="0"/>
           </a:p>
         </p:txBody>
       </p:sp>
@@ -3758,13 +3734,6 @@
   <p:clrMapOvr>
     <a:masterClrMapping/>
   </p:clrMapOvr>
-  <p:timing>
-    <p:tnLst>
-      <p:par>
-        <p:cTn id="1" dur="indefinite" restart="never" nodeType="tmRoot"/>
-      </p:par>
-    </p:tnLst>
-  </p:timing>
 </p:sld>
 </file>
 
@@ -3801,10 +3770,9 @@
           <a:lstStyle/>
           <a:p>
             <a:r>
-              <a:rPr lang="fr-FR" dirty="0" smtClean="0"/>
+              <a:rPr lang="fr-FR" dirty="0"/>
               <a:t>Web</a:t>
             </a:r>
-            <a:endParaRPr lang="fr-FR" dirty="0"/>
           </a:p>
         </p:txBody>
       </p:sp>
@@ -3824,43 +3792,42 @@
           <a:lstStyle/>
           <a:p>
             <a:r>
-              <a:rPr lang="fr-FR" dirty="0" smtClean="0"/>
+              <a:rPr lang="fr-FR" dirty="0"/>
               <a:t>WWW</a:t>
             </a:r>
           </a:p>
           <a:p>
             <a:r>
-              <a:rPr lang="fr-FR" dirty="0" smtClean="0"/>
+              <a:rPr lang="fr-FR" dirty="0"/>
               <a:t>HTTP + HTML</a:t>
             </a:r>
           </a:p>
           <a:p>
             <a:r>
-              <a:rPr lang="fr-FR" dirty="0" smtClean="0"/>
+              <a:rPr lang="fr-FR" dirty="0"/>
               <a:t>Serveur Web + Client</a:t>
             </a:r>
           </a:p>
           <a:p>
             <a:r>
-              <a:rPr lang="fr-FR" dirty="0" smtClean="0"/>
+              <a:rPr lang="fr-FR" dirty="0"/>
               <a:t>Plusieurs modules Python savent faire du Web</a:t>
             </a:r>
           </a:p>
           <a:p>
             <a:pPr lvl="1"/>
             <a:r>
-              <a:rPr lang="fr-FR" dirty="0" err="1" smtClean="0"/>
+              <a:rPr lang="fr-FR" dirty="0" err="1"/>
               <a:t>Flask</a:t>
             </a:r>
-            <a:endParaRPr lang="fr-FR" dirty="0" smtClean="0"/>
+            <a:endParaRPr lang="fr-FR" dirty="0"/>
           </a:p>
           <a:p>
             <a:pPr lvl="1"/>
             <a:r>
-              <a:rPr lang="fr-FR" dirty="0" smtClean="0"/>
+              <a:rPr lang="fr-FR" dirty="0"/>
               <a:t>Django</a:t>
             </a:r>
-            <a:endParaRPr lang="fr-FR" dirty="0"/>
           </a:p>
         </p:txBody>
       </p:sp>
@@ -3910,56 +3877,56 @@
           <a:lstStyle/>
           <a:p>
             <a:r>
-              <a:rPr lang="fr-FR" dirty="0" err="1" smtClean="0"/>
+              <a:rPr lang="fr-FR" dirty="0" err="1"/>
               <a:t>Flask</a:t>
             </a:r>
-            <a:endParaRPr lang="fr-FR" dirty="0" smtClean="0"/>
-          </a:p>
-          <a:p>
-            <a:r>
-              <a:rPr lang="fr-FR" dirty="0" err="1" smtClean="0"/>
+            <a:endParaRPr lang="fr-FR" dirty="0"/>
+          </a:p>
+          <a:p>
+            <a:r>
+              <a:rPr lang="fr-FR" dirty="0" err="1"/>
               <a:t>Microframework</a:t>
             </a:r>
             <a:r>
-              <a:rPr lang="fr-FR" dirty="0" smtClean="0"/>
+              <a:rPr lang="fr-FR" dirty="0"/>
               <a:t> Web</a:t>
             </a:r>
           </a:p>
           <a:p>
             <a:r>
-              <a:rPr lang="fr-FR" dirty="0" smtClean="0"/>
+              <a:rPr lang="fr-FR" dirty="0"/>
               <a:t>Très simple</a:t>
             </a:r>
           </a:p>
           <a:p>
             <a:pPr lvl="1"/>
             <a:r>
-              <a:rPr lang="fr-FR" dirty="0" smtClean="0"/>
+              <a:rPr lang="fr-FR" dirty="0"/>
               <a:t>Contient un container Web</a:t>
             </a:r>
           </a:p>
           <a:p>
             <a:r>
-              <a:rPr lang="fr-FR" dirty="0" smtClean="0"/>
+              <a:rPr lang="fr-FR" dirty="0"/>
               <a:t>PIP </a:t>
             </a:r>
             <a:r>
-              <a:rPr lang="fr-FR" dirty="0" err="1" smtClean="0"/>
+              <a:rPr lang="fr-FR" dirty="0" err="1"/>
               <a:t>install</a:t>
             </a:r>
             <a:r>
-              <a:rPr lang="fr-FR" dirty="0" smtClean="0"/>
+              <a:rPr lang="fr-FR" dirty="0"/>
               <a:t> </a:t>
             </a:r>
             <a:r>
-              <a:rPr lang="fr-FR" dirty="0" err="1" smtClean="0"/>
+              <a:rPr lang="fr-FR" dirty="0" err="1"/>
               <a:t>Flask</a:t>
             </a:r>
-            <a:endParaRPr lang="fr-FR" dirty="0" smtClean="0"/>
-          </a:p>
-          <a:p>
-            <a:r>
-              <a:rPr lang="fr-FR" dirty="0" smtClean="0"/>
+            <a:endParaRPr lang="fr-FR" dirty="0"/>
+          </a:p>
+          <a:p>
+            <a:r>
+              <a:rPr lang="fr-FR" dirty="0"/>
               <a:t>http://localhost:5000</a:t>
             </a:r>
           </a:p>
@@ -4079,7 +4046,7 @@
           <a:lstStyle/>
           <a:p>
             <a:r>
-              <a:rPr lang="fr-FR" dirty="0" err="1" smtClean="0"/>
+              <a:rPr lang="fr-FR" dirty="0" err="1"/>
               <a:t>Features</a:t>
             </a:r>
             <a:endParaRPr lang="fr-FR" dirty="0"/>
@@ -4102,19 +4069,19 @@
           <a:lstStyle/>
           <a:p>
             <a:r>
-              <a:rPr lang="fr-FR" dirty="0" smtClean="0"/>
+              <a:rPr lang="fr-FR" dirty="0"/>
               <a:t>Debugger spécialisé</a:t>
             </a:r>
           </a:p>
           <a:p>
             <a:r>
-              <a:rPr lang="fr-FR" dirty="0" smtClean="0"/>
+              <a:rPr lang="fr-FR" dirty="0"/>
               <a:t>Tests unitaires spécialisés</a:t>
             </a:r>
           </a:p>
           <a:p>
             <a:r>
-              <a:rPr lang="fr-FR" dirty="0" smtClean="0"/>
+              <a:rPr lang="fr-FR" dirty="0"/>
               <a:t>API REST</a:t>
             </a:r>
           </a:p>
@@ -4169,10 +4136,9 @@
           <a:lstStyle/>
           <a:p>
             <a:r>
-              <a:rPr lang="fr-FR" dirty="0" smtClean="0"/>
+              <a:rPr lang="fr-FR" dirty="0"/>
               <a:t>Routes</a:t>
             </a:r>
-            <a:endParaRPr lang="fr-FR" dirty="0"/>
           </a:p>
         </p:txBody>
       </p:sp>
@@ -4192,10 +4158,9 @@
           <a:lstStyle/>
           <a:p>
             <a:r>
-              <a:rPr lang="fr-FR" dirty="0" smtClean="0"/>
+              <a:rPr lang="fr-FR" dirty="0"/>
               <a:t>Permet de redéfinir des URL</a:t>
             </a:r>
-            <a:endParaRPr lang="fr-FR" dirty="0"/>
           </a:p>
         </p:txBody>
       </p:sp>
@@ -4251,121 +4216,6 @@
     <p:extLst>
       <p:ext uri="{BB962C8B-B14F-4D97-AF65-F5344CB8AC3E}">
         <p14:creationId xmlns:p14="http://schemas.microsoft.com/office/powerpoint/2010/main" val="2679562578"/>
-      </p:ext>
-    </p:extLst>
-  </p:cSld>
-  <p:clrMapOvr>
-    <a:masterClrMapping/>
-  </p:clrMapOvr>
-</p:sld>
-</file>
-
-<file path=ppt/slides/slide6.xml><?xml version="1.0" encoding="utf-8"?>
-<p:sld xmlns:a="http://schemas.openxmlformats.org/drawingml/2006/main" xmlns:r="http://schemas.openxmlformats.org/officeDocument/2006/relationships" xmlns:p="http://schemas.openxmlformats.org/presentationml/2006/main">
-  <p:cSld>
-    <p:spTree>
-      <p:nvGrpSpPr>
-        <p:cNvPr id="1" name=""/>
-        <p:cNvGrpSpPr/>
-        <p:nvPr/>
-      </p:nvGrpSpPr>
-      <p:grpSpPr>
-        <a:xfrm>
-          <a:off x="0" y="0"/>
-          <a:ext cx="0" cy="0"/>
-          <a:chOff x="0" y="0"/>
-          <a:chExt cx="0" cy="0"/>
-        </a:xfrm>
-      </p:grpSpPr>
-      <p:sp>
-        <p:nvSpPr>
-          <p:cNvPr id="3" name="Espace réservé du contenu 2"/>
-          <p:cNvSpPr>
-            <a:spLocks noGrp="1"/>
-          </p:cNvSpPr>
-          <p:nvPr>
-            <p:ph idx="1"/>
-          </p:nvPr>
-        </p:nvSpPr>
-        <p:spPr/>
-        <p:txBody>
-          <a:bodyPr/>
-          <a:lstStyle/>
-          <a:p>
-            <a:r>
-              <a:rPr lang="fr-FR" dirty="0" smtClean="0"/>
-              <a:t>Django</a:t>
-            </a:r>
-          </a:p>
-          <a:p>
-            <a:pPr lvl="1"/>
-            <a:r>
-              <a:rPr lang="fr-FR" dirty="0" smtClean="0"/>
-              <a:t>Framework de haut niveau</a:t>
-            </a:r>
-          </a:p>
-          <a:p>
-            <a:pPr lvl="1"/>
-            <a:r>
-              <a:rPr lang="fr-FR" dirty="0" smtClean="0"/>
-              <a:t>Simple et puissant</a:t>
-            </a:r>
-          </a:p>
-          <a:p>
-            <a:pPr lvl="1"/>
-            <a:r>
-              <a:rPr lang="fr-FR" dirty="0" smtClean="0"/>
-              <a:t>Très orienté service REST</a:t>
-            </a:r>
-          </a:p>
-          <a:p>
-            <a:r>
-              <a:rPr lang="fr-FR" dirty="0" smtClean="0"/>
-              <a:t>Rendu célèbre par Instagram et Pinterest</a:t>
-            </a:r>
-          </a:p>
-          <a:p>
-            <a:pPr lvl="1"/>
-            <a:r>
-              <a:rPr lang="fr-FR" dirty="0" smtClean="0"/>
-              <a:t>+ lourd que </a:t>
-            </a:r>
-            <a:r>
-              <a:rPr lang="fr-FR" smtClean="0"/>
-              <a:t>Flask</a:t>
-            </a:r>
-            <a:endParaRPr lang="fr-FR" dirty="0" smtClean="0"/>
-          </a:p>
-        </p:txBody>
-      </p:sp>
-      <p:pic>
-        <p:nvPicPr>
-          <p:cNvPr id="4" name="Image 3"/>
-          <p:cNvPicPr>
-            <a:picLocks noChangeAspect="1"/>
-          </p:cNvPicPr>
-          <p:nvPr/>
-        </p:nvPicPr>
-        <p:blipFill>
-          <a:blip r:embed="rId2"/>
-          <a:stretch>
-            <a:fillRect/>
-          </a:stretch>
-        </p:blipFill>
-        <p:spPr>
-          <a:xfrm>
-            <a:off x="4283968" y="318009"/>
-            <a:ext cx="1162050" cy="533400"/>
-          </a:xfrm>
-          <a:prstGeom prst="rect">
-            <a:avLst/>
-          </a:prstGeom>
-        </p:spPr>
-      </p:pic>
-    </p:spTree>
-    <p:extLst>
-      <p:ext uri="{BB962C8B-B14F-4D97-AF65-F5344CB8AC3E}">
-        <p14:creationId xmlns:p14="http://schemas.microsoft.com/office/powerpoint/2010/main" val="3660596406"/>
       </p:ext>
     </p:extLst>
   </p:cSld>

--- a/ppt/Python18-Web.pptx
+++ b/ppt/Python18-Web.pptx
@@ -3916,11 +3916,11 @@
             </a:r>
             <a:r>
               <a:rPr lang="fr-FR" dirty="0"/>
-              <a:t> </a:t>
-            </a:r>
-            <a:r>
-              <a:rPr lang="fr-FR" dirty="0" err="1"/>
-              <a:t>Flask</a:t>
+              <a:t> f</a:t>
+            </a:r>
+            <a:r>
+              <a:rPr lang="fr-FR"/>
+              <a:t>lask</a:t>
             </a:r>
             <a:endParaRPr lang="fr-FR" dirty="0"/>
           </a:p>
